--- a/slides/hadoop.pptx
+++ b/slides/hadoop.pptx
@@ -6,7 +6,7 @@
     <p:sldMasterId id="2147483661" r:id="rId2"/>
   </p:sldMasterIdLst>
   <p:notesMasterIdLst>
-    <p:notesMasterId r:id="rId12"/>
+    <p:notesMasterId r:id="rId13"/>
   </p:notesMasterIdLst>
   <p:sldIdLst>
     <p:sldId id="256" r:id="rId3"/>
@@ -18,6 +18,7 @@
     <p:sldId id="257" r:id="rId9"/>
     <p:sldId id="263" r:id="rId10"/>
     <p:sldId id="265" r:id="rId11"/>
+    <p:sldId id="266" r:id="rId12"/>
   </p:sldIdLst>
   <p:sldSz cx="9144000" cy="6858000" type="screen4x3"/>
   <p:notesSz cx="6858000" cy="9144000"/>
@@ -231,6 +232,10 @@
 </p:presentation>
 </file>
 
+<file path=ppt/revisionInfo.xml><?xml version="1.0" encoding="utf-8"?>
+<p1510:revInfo xmlns:a="http://schemas.openxmlformats.org/drawingml/2006/main" xmlns:r="http://schemas.openxmlformats.org/officeDocument/2006/relationships" xmlns:p1510="http://schemas.microsoft.com/office/powerpoint/2015/10/main"/>
+</file>
+
 <file path=ppt/charts/chart1.xml><?xml version="1.0" encoding="utf-8"?>
 <c:chartSpace xmlns:c="http://schemas.openxmlformats.org/drawingml/2006/chart" xmlns:a="http://schemas.openxmlformats.org/drawingml/2006/main" xmlns:r="http://schemas.openxmlformats.org/officeDocument/2006/relationships" xmlns:c16r2="http://schemas.microsoft.com/office/drawing/2015/06/chart">
   <c:date1904 val="0"/>
@@ -348,14 +353,7 @@
           </c:trendline>
           <c:cat>
             <c:strRef>
-              <c:extLst>
-                <c:ext xmlns:c15="http://schemas.microsoft.com/office/drawing/2012/chart" uri="{02D57815-91ED-43cb-92C2-25804820EDAC}">
-                  <c15:fullRef>
-                    <c15:sqref>'part-00000'!$D:$D</c15:sqref>
-                  </c15:fullRef>
-                </c:ext>
-              </c:extLst>
-              <c:f>'part-00000'!$D$2:$D$1048576</c:f>
+              <c:f>'part-00000'!$D:$D</c:f>
               <c:strCache>
                 <c:ptCount val="236"/>
                 <c:pt idx="0">
@@ -1071,14 +1069,7 @@
           </c:cat>
           <c:val>
             <c:numRef>
-              <c:extLst>
-                <c:ext xmlns:c15="http://schemas.microsoft.com/office/drawing/2012/chart" uri="{02D57815-91ED-43cb-92C2-25804820EDAC}">
-                  <c15:fullRef>
-                    <c15:sqref>'part-00000'!$F$2:$F$237</c15:sqref>
-                  </c15:fullRef>
-                </c:ext>
-              </c:extLst>
-              <c:f>'part-00000'!$F$3:$F$237</c:f>
+              <c:f>'part-00000'!$F$2:$F$237</c:f>
               <c:numCache>
                 <c:formatCode>General</c:formatCode>
                 <c:ptCount val="235"/>
@@ -1847,11 +1838,8 @@
                   <c:strRef>
                     <c:extLst>
                       <c:ext uri="{02D57815-91ED-43cb-92C2-25804820EDAC}">
-                        <c15:fullRef>
+                        <c15:formulaRef>
                           <c15:sqref>'part-00000'!$D:$D</c15:sqref>
-                        </c15:fullRef>
-                        <c15:formulaRef>
-                          <c15:sqref>'part-00000'!$D$2:$D$1048576</c15:sqref>
                         </c15:formulaRef>
                       </c:ext>
                     </c:extLst>
@@ -2572,11 +2560,8 @@
                   <c:numRef>
                     <c:extLst>
                       <c:ext uri="{02D57815-91ED-43cb-92C2-25804820EDAC}">
-                        <c15:fullRef>
+                        <c15:formulaRef>
                           <c15:sqref>'part-00000'!$D$2:$D$237</c15:sqref>
-                        </c15:fullRef>
-                        <c15:formulaRef>
-                          <c15:sqref>'part-00000'!$D$3:$D$237</c15:sqref>
                         </c15:formulaRef>
                       </c:ext>
                     </c:extLst>
@@ -20407,7 +20392,6 @@
           </c:extLst>
         </c:ser>
         <c:dLbls>
-          <c:dLblPos val="outEnd"/>
           <c:showLegendKey val="0"/>
           <c:showVal val="0"/>
           <c:showCatName val="0"/>
@@ -25862,6 +25846,112 @@
 </p:notes>
 </file>
 
+<file path=ppt/notesSlides/notesSlide10.xml><?xml version="1.0" encoding="utf-8"?>
+<p:notes xmlns:a="http://schemas.openxmlformats.org/drawingml/2006/main" xmlns:r="http://schemas.openxmlformats.org/officeDocument/2006/relationships" xmlns:p="http://schemas.openxmlformats.org/presentationml/2006/main" showMasterSp="0" showMasterPhAnim="0">
+  <p:cSld>
+    <p:spTree>
+      <p:nvGrpSpPr>
+        <p:cNvPr id="1" name="Shape 51"/>
+        <p:cNvGrpSpPr/>
+        <p:nvPr/>
+      </p:nvGrpSpPr>
+      <p:grpSpPr>
+        <a:xfrm>
+          <a:off x="0" y="0"/>
+          <a:ext cx="0" cy="0"/>
+          <a:chOff x="0" y="0"/>
+          <a:chExt cx="0" cy="0"/>
+        </a:xfrm>
+      </p:grpSpPr>
+      <p:sp>
+        <p:nvSpPr>
+          <p:cNvPr id="52" name="Shape 52"/>
+          <p:cNvSpPr>
+            <a:spLocks noGrp="1" noRot="1" noChangeAspect="1"/>
+          </p:cNvSpPr>
+          <p:nvPr>
+            <p:ph type="sldImg" idx="2"/>
+          </p:nvPr>
+        </p:nvSpPr>
+        <p:spPr>
+          <a:xfrm>
+            <a:off x="1143000" y="685800"/>
+            <a:ext cx="4572000" cy="3429000"/>
+          </a:xfrm>
+          <a:custGeom>
+            <a:avLst/>
+            <a:gdLst/>
+            <a:ahLst/>
+            <a:cxnLst/>
+            <a:rect l="0" t="0" r="0" b="0"/>
+            <a:pathLst>
+              <a:path w="120000" h="120000" extrusionOk="0">
+                <a:moveTo>
+                  <a:pt x="0" y="0"/>
+                </a:moveTo>
+                <a:lnTo>
+                  <a:pt x="120000" y="0"/>
+                </a:lnTo>
+                <a:lnTo>
+                  <a:pt x="120000" y="120000"/>
+                </a:lnTo>
+                <a:lnTo>
+                  <a:pt x="0" y="120000"/>
+                </a:lnTo>
+                <a:close/>
+              </a:path>
+            </a:pathLst>
+          </a:custGeom>
+        </p:spPr>
+      </p:sp>
+      <p:sp>
+        <p:nvSpPr>
+          <p:cNvPr id="53" name="Shape 53"/>
+          <p:cNvSpPr txBox="1">
+            <a:spLocks noGrp="1"/>
+          </p:cNvSpPr>
+          <p:nvPr>
+            <p:ph type="body" idx="1"/>
+          </p:nvPr>
+        </p:nvSpPr>
+        <p:spPr>
+          <a:xfrm>
+            <a:off x="685800" y="4343400"/>
+            <a:ext cx="5486399" cy="4114800"/>
+          </a:xfrm>
+          <a:prstGeom prst="rect">
+            <a:avLst/>
+          </a:prstGeom>
+        </p:spPr>
+        <p:txBody>
+          <a:bodyPr lIns="91425" tIns="91425" rIns="91425" bIns="91425" anchor="t" anchorCtr="0">
+            <a:noAutofit/>
+          </a:bodyPr>
+          <a:lstStyle/>
+          <a:p>
+            <a:pPr lvl="0" rtl="0">
+              <a:spcBef>
+                <a:spcPts val="0"/>
+              </a:spcBef>
+              <a:buNone/>
+            </a:pPr>
+            <a:endParaRPr dirty="0"/>
+          </a:p>
+        </p:txBody>
+      </p:sp>
+    </p:spTree>
+    <p:extLst>
+      <p:ext uri="{BB962C8B-B14F-4D97-AF65-F5344CB8AC3E}">
+        <p14:creationId xmlns:p14="http://schemas.microsoft.com/office/powerpoint/2010/main" val="2247348681"/>
+      </p:ext>
+    </p:extLst>
+  </p:cSld>
+  <p:clrMapOvr>
+    <a:masterClrMapping/>
+  </p:clrMapOvr>
+</p:notes>
+</file>
+
 <file path=ppt/notesSlides/notesSlide2.xml><?xml version="1.0" encoding="utf-8"?>
 <p:notes xmlns:a="http://schemas.openxmlformats.org/drawingml/2006/main" xmlns:r="http://schemas.openxmlformats.org/officeDocument/2006/relationships" xmlns:p="http://schemas.openxmlformats.org/presentationml/2006/main" showMasterSp="0" showMasterPhAnim="0">
   <p:cSld>
@@ -27348,11 +27438,7 @@
             </a:r>
             <a:r>
               <a:rPr lang="it-IT" dirty="0"/>
-              <a:t> e in una nuova classe conta il numero di incidenti e calc</a:t>
-            </a:r>
-            <a:r>
-              <a:rPr lang="it-IT" dirty="0"/>
-              <a:t>ola quanti di questi sono letali</a:t>
+              <a:t> e in una nuova classe conta il numero di incidenti e calcola quanti di questi sono letali</a:t>
             </a:r>
             <a:endParaRPr dirty="0"/>
           </a:p>
@@ -34636,6 +34722,353 @@
         </p:txBody>
       </p:sp>
     </p:spTree>
+  </p:cSld>
+  <p:clrMapOvr>
+    <a:masterClrMapping/>
+  </p:clrMapOvr>
+</p:sld>
+</file>
+
+<file path=ppt/slides/slide10.xml><?xml version="1.0" encoding="utf-8"?>
+<p:sld xmlns:a="http://schemas.openxmlformats.org/drawingml/2006/main" xmlns:r="http://schemas.openxmlformats.org/officeDocument/2006/relationships" xmlns:p="http://schemas.openxmlformats.org/presentationml/2006/main">
+  <p:cSld>
+    <p:spTree>
+      <p:nvGrpSpPr>
+        <p:cNvPr id="1" name="Shape 54"/>
+        <p:cNvGrpSpPr/>
+        <p:nvPr/>
+      </p:nvGrpSpPr>
+      <p:grpSpPr>
+        <a:xfrm>
+          <a:off x="0" y="0"/>
+          <a:ext cx="0" cy="0"/>
+          <a:chOff x="0" y="0"/>
+          <a:chExt cx="0" cy="0"/>
+        </a:xfrm>
+      </p:grpSpPr>
+      <p:sp>
+        <p:nvSpPr>
+          <p:cNvPr id="55" name="Shape 55"/>
+          <p:cNvSpPr txBox="1">
+            <a:spLocks noGrp="1"/>
+          </p:cNvSpPr>
+          <p:nvPr>
+            <p:ph type="title"/>
+          </p:nvPr>
+        </p:nvSpPr>
+        <p:spPr>
+          <a:xfrm>
+            <a:off x="837450" y="131950"/>
+            <a:ext cx="8136900" cy="498599"/>
+          </a:xfrm>
+          <a:prstGeom prst="rect">
+            <a:avLst/>
+          </a:prstGeom>
+        </p:spPr>
+        <p:txBody>
+          <a:bodyPr lIns="91425" tIns="91425" rIns="91425" bIns="91425" anchor="b" anchorCtr="0">
+            <a:noAutofit/>
+          </a:bodyPr>
+          <a:lstStyle/>
+          <a:p>
+            <a:pPr lvl="0" rtl="0">
+              <a:spcBef>
+                <a:spcPts val="0"/>
+              </a:spcBef>
+              <a:buNone/>
+            </a:pPr>
+            <a:endParaRPr sz="3000" dirty="0">
+              <a:solidFill>
+                <a:srgbClr val="003366"/>
+              </a:solidFill>
+            </a:endParaRPr>
+          </a:p>
+        </p:txBody>
+      </p:sp>
+      <p:pic>
+        <p:nvPicPr>
+          <p:cNvPr id="57" name="Shape 57"/>
+          <p:cNvPicPr preferRelativeResize="0"/>
+          <p:nvPr/>
+        </p:nvPicPr>
+        <p:blipFill>
+          <a:blip r:embed="rId3">
+            <a:alphaModFix/>
+          </a:blip>
+          <a:stretch>
+            <a:fillRect/>
+          </a:stretch>
+        </p:blipFill>
+        <p:spPr>
+          <a:xfrm>
+            <a:off x="82450" y="65950"/>
+            <a:ext cx="464900" cy="498650"/>
+          </a:xfrm>
+          <a:prstGeom prst="rect">
+            <a:avLst/>
+          </a:prstGeom>
+          <a:noFill/>
+          <a:ln>
+            <a:noFill/>
+          </a:ln>
+        </p:spPr>
+      </p:pic>
+      <p:pic>
+        <p:nvPicPr>
+          <p:cNvPr id="58" name="Shape 58"/>
+          <p:cNvPicPr preferRelativeResize="0"/>
+          <p:nvPr/>
+        </p:nvPicPr>
+        <p:blipFill>
+          <a:blip r:embed="rId4">
+            <a:alphaModFix/>
+          </a:blip>
+          <a:stretch>
+            <a:fillRect/>
+          </a:stretch>
+        </p:blipFill>
+        <p:spPr>
+          <a:xfrm>
+            <a:off x="0" y="630539"/>
+            <a:ext cx="9143998" cy="97471"/>
+          </a:xfrm>
+          <a:prstGeom prst="rect">
+            <a:avLst/>
+          </a:prstGeom>
+          <a:noFill/>
+          <a:ln>
+            <a:noFill/>
+          </a:ln>
+        </p:spPr>
+      </p:pic>
+      <p:cxnSp>
+        <p:nvCxnSpPr>
+          <p:cNvPr id="59" name="Shape 59"/>
+          <p:cNvCxnSpPr/>
+          <p:nvPr/>
+        </p:nvCxnSpPr>
+        <p:spPr>
+          <a:xfrm rot="10800000">
+            <a:off x="691550" y="125"/>
+            <a:ext cx="0" cy="630299"/>
+          </a:xfrm>
+          <a:prstGeom prst="straightConnector1">
+            <a:avLst/>
+          </a:prstGeom>
+          <a:noFill/>
+          <a:ln w="9525" cap="flat" cmpd="sng">
+            <a:solidFill>
+              <a:srgbClr val="003366"/>
+            </a:solidFill>
+            <a:prstDash val="solid"/>
+            <a:round/>
+            <a:headEnd type="none" w="lg" len="lg"/>
+            <a:tailEnd type="none" w="lg" len="lg"/>
+          </a:ln>
+        </p:spPr>
+      </p:cxnSp>
+      <p:sp>
+        <p:nvSpPr>
+          <p:cNvPr id="60" name="Shape 60"/>
+          <p:cNvSpPr txBox="1"/>
+          <p:nvPr/>
+        </p:nvSpPr>
+        <p:spPr>
+          <a:xfrm>
+            <a:off x="6783700" y="6531000"/>
+            <a:ext cx="2599200" cy="363899"/>
+          </a:xfrm>
+          <a:prstGeom prst="rect">
+            <a:avLst/>
+          </a:prstGeom>
+          <a:noFill/>
+          <a:ln>
+            <a:noFill/>
+          </a:ln>
+        </p:spPr>
+        <p:txBody>
+          <a:bodyPr lIns="91425" tIns="91425" rIns="91425" bIns="91425" anchor="t" anchorCtr="0">
+            <a:noAutofit/>
+          </a:bodyPr>
+          <a:lstStyle/>
+          <a:p>
+            <a:pPr lvl="0" rtl="0">
+              <a:spcBef>
+                <a:spcPts val="0"/>
+              </a:spcBef>
+              <a:buNone/>
+            </a:pPr>
+            <a:r>
+              <a:rPr lang="it" sz="1200" b="1">
+                <a:solidFill>
+                  <a:srgbClr val="FFFFFF"/>
+                </a:solidFill>
+              </a:rPr>
+              <a:t>POLITECNICO DI MILANO</a:t>
+            </a:r>
+          </a:p>
+        </p:txBody>
+      </p:sp>
+      <p:pic>
+        <p:nvPicPr>
+          <p:cNvPr id="61" name="Shape 61"/>
+          <p:cNvPicPr preferRelativeResize="0"/>
+          <p:nvPr/>
+        </p:nvPicPr>
+        <p:blipFill>
+          <a:blip r:embed="rId5">
+            <a:alphaModFix/>
+          </a:blip>
+          <a:stretch>
+            <a:fillRect/>
+          </a:stretch>
+        </p:blipFill>
+        <p:spPr>
+          <a:xfrm>
+            <a:off x="0" y="6571225"/>
+            <a:ext cx="9144000" cy="286775"/>
+          </a:xfrm>
+          <a:prstGeom prst="rect">
+            <a:avLst/>
+          </a:prstGeom>
+          <a:noFill/>
+          <a:ln>
+            <a:noFill/>
+          </a:ln>
+        </p:spPr>
+      </p:pic>
+      <p:sp>
+        <p:nvSpPr>
+          <p:cNvPr id="62" name="Shape 62"/>
+          <p:cNvSpPr txBox="1">
+            <a:spLocks noGrp="1"/>
+          </p:cNvSpPr>
+          <p:nvPr>
+            <p:ph type="ctrTitle" idx="4294967295"/>
+          </p:nvPr>
+        </p:nvSpPr>
+        <p:spPr>
+          <a:xfrm>
+            <a:off x="1" y="6531000"/>
+            <a:ext cx="5435224" cy="424199"/>
+          </a:xfrm>
+          <a:prstGeom prst="rect">
+            <a:avLst/>
+          </a:prstGeom>
+        </p:spPr>
+        <p:txBody>
+          <a:bodyPr lIns="91425" tIns="91425" rIns="91425" bIns="91425" anchor="ctr" anchorCtr="0">
+            <a:noAutofit/>
+          </a:bodyPr>
+          <a:lstStyle/>
+          <a:p>
+            <a:pPr indent="457200">
+              <a:lnSpc>
+                <a:spcPct val="115000"/>
+              </a:lnSpc>
+            </a:pPr>
+            <a:r>
+              <a:rPr lang="it-IT" sz="1300" dirty="0">
+                <a:solidFill>
+                  <a:srgbClr val="003366"/>
+                </a:solidFill>
+              </a:rPr>
+              <a:t>S. Ripamonti, L. </a:t>
+            </a:r>
+            <a:r>
+              <a:rPr lang="it-IT" sz="1300" dirty="0" err="1">
+                <a:solidFill>
+                  <a:srgbClr val="003366"/>
+                </a:solidFill>
+              </a:rPr>
+              <a:t>Stornaiuolo</a:t>
+            </a:r>
+            <a:r>
+              <a:rPr lang="it-IT" sz="1300" dirty="0">
+                <a:solidFill>
+                  <a:srgbClr val="003366"/>
+                </a:solidFill>
+              </a:rPr>
+              <a:t>, R. </a:t>
+            </a:r>
+            <a:r>
+              <a:rPr lang="it-IT" sz="1300" dirty="0" err="1">
+                <a:solidFill>
+                  <a:srgbClr val="003366"/>
+                </a:solidFill>
+              </a:rPr>
+              <a:t>Pressiani</a:t>
+            </a:r>
+            <a:endParaRPr sz="1300" dirty="0">
+              <a:solidFill>
+                <a:srgbClr val="003366"/>
+              </a:solidFill>
+            </a:endParaRPr>
+          </a:p>
+        </p:txBody>
+      </p:sp>
+      <p:sp>
+        <p:nvSpPr>
+          <p:cNvPr id="2" name="CasellaDiTesto 1">
+            <a:extLst>
+              <a:ext uri="{FF2B5EF4-FFF2-40B4-BE49-F238E27FC236}">
+                <a16:creationId xmlns:a16="http://schemas.microsoft.com/office/drawing/2014/main" id="{7D903691-895A-44F8-94E9-9884F6F50624}"/>
+              </a:ext>
+            </a:extLst>
+          </p:cNvPr>
+          <p:cNvSpPr txBox="1"/>
+          <p:nvPr/>
+        </p:nvSpPr>
+        <p:spPr>
+          <a:xfrm>
+            <a:off x="1426264" y="2818620"/>
+            <a:ext cx="6291470" cy="830997"/>
+          </a:xfrm>
+          <a:prstGeom prst="rect">
+            <a:avLst/>
+          </a:prstGeom>
+          <a:noFill/>
+        </p:spPr>
+        <p:txBody>
+          <a:bodyPr wrap="square" rtlCol="0">
+            <a:spAutoFit/>
+          </a:bodyPr>
+          <a:lstStyle/>
+          <a:p>
+            <a:pPr algn="ctr"/>
+            <a:r>
+              <a:rPr lang="it-IT" sz="2400" dirty="0">
+                <a:solidFill>
+                  <a:srgbClr val="3A536D"/>
+                </a:solidFill>
+              </a:rPr>
+              <a:t>Code </a:t>
+            </a:r>
+            <a:r>
+              <a:rPr lang="it-IT" sz="2400" dirty="0" err="1">
+                <a:solidFill>
+                  <a:srgbClr val="3A536D"/>
+                </a:solidFill>
+              </a:rPr>
+              <a:t>available</a:t>
+            </a:r>
+            <a:r>
+              <a:rPr lang="it-IT" sz="2400" dirty="0">
+                <a:solidFill>
+                  <a:srgbClr val="3A536D"/>
+                </a:solidFill>
+              </a:rPr>
+              <a:t> on https://github.com/ripa1993/mw_hadoop</a:t>
+            </a:r>
+          </a:p>
+        </p:txBody>
+      </p:sp>
+    </p:spTree>
+    <p:extLst>
+      <p:ext uri="{BB962C8B-B14F-4D97-AF65-F5344CB8AC3E}">
+        <p14:creationId xmlns:p14="http://schemas.microsoft.com/office/powerpoint/2010/main" val="1829178166"/>
+      </p:ext>
+    </p:extLst>
   </p:cSld>
   <p:clrMapOvr>
     <a:masterClrMapping/>
